--- a/DIPLOMA/ВКР.pptx
+++ b/DIPLOMA/ВКР.pptx
@@ -7,11 +7,12 @@
   <p:sldIdLst>
     <p:sldId id="256" r:id="rId2"/>
     <p:sldId id="260" r:id="rId3"/>
-    <p:sldId id="261" r:id="rId4"/>
-    <p:sldId id="262" r:id="rId5"/>
-    <p:sldId id="263" r:id="rId6"/>
-    <p:sldId id="264" r:id="rId7"/>
-    <p:sldId id="265" r:id="rId8"/>
+    <p:sldId id="266" r:id="rId4"/>
+    <p:sldId id="261" r:id="rId5"/>
+    <p:sldId id="262" r:id="rId6"/>
+    <p:sldId id="263" r:id="rId7"/>
+    <p:sldId id="264" r:id="rId8"/>
+    <p:sldId id="265" r:id="rId9"/>
   </p:sldIdLst>
   <p:sldSz cx="12192000" cy="6858000"/>
   <p:notesSz cx="6858000" cy="9144000"/>
@@ -110,6 +111,11 @@
       </a:defRPr>
     </a:lvl9pPr>
   </p:defaultTextStyle>
+  <p:extLst>
+    <p:ext uri="{EFAFB233-063F-42B5-8137-9DF3F51BA10A}">
+      <p15:sldGuideLst xmlns:p15="http://schemas.microsoft.com/office/powerpoint/2012/main"/>
+    </p:ext>
+  </p:extLst>
 </p:presentation>
 </file>
 
@@ -339,7 +345,7 @@
           <a:p>
             <a:fld id="{4BDF68E2-58F2-4D09-BE8B-E3BD06533059}" type="datetimeFigureOut">
               <a:rPr lang="en-US" dirty="0"/>
-              <a:t>5/17/2022</a:t>
+              <a:t>5/23/2022</a:t>
             </a:fld>
             <a:endParaRPr lang="en-US" dirty="0"/>
           </a:p>
@@ -542,7 +548,7 @@
           <a:p>
             <a:fld id="{2E2D6473-DF6D-4702-B328-E0DD40540A4E}" type="datetimeFigureOut">
               <a:rPr lang="en-US" dirty="0"/>
-              <a:t>5/17/2022</a:t>
+              <a:t>5/23/2022</a:t>
             </a:fld>
             <a:endParaRPr lang="en-US" dirty="0"/>
           </a:p>
@@ -793,7 +799,7 @@
           <a:p>
             <a:fld id="{E26F7E3A-B166-407D-9866-32884E7D5B37}" type="datetimeFigureOut">
               <a:rPr lang="en-US" dirty="0"/>
-              <a:t>5/17/2022</a:t>
+              <a:t>5/23/2022</a:t>
             </a:fld>
             <a:endParaRPr lang="en-US" dirty="0"/>
           </a:p>
@@ -962,7 +968,7 @@
           <a:p>
             <a:fld id="{528FC5F6-F338-4AE4-BB23-26385BCFC423}" type="datetimeFigureOut">
               <a:rPr lang="en-US" dirty="0"/>
-              <a:t>5/17/2022</a:t>
+              <a:t>5/23/2022</a:t>
             </a:fld>
             <a:endParaRPr lang="en-US" dirty="0"/>
           </a:p>
@@ -1300,7 +1306,7 @@
           <a:p>
             <a:fld id="{20EBB0C4-6273-4C6E-B9BD-2EDC30F1CD52}" type="datetimeFigureOut">
               <a:rPr lang="en-US" dirty="0"/>
-              <a:t>5/17/2022</a:t>
+              <a:t>5/23/2022</a:t>
             </a:fld>
             <a:endParaRPr lang="en-US" dirty="0"/>
           </a:p>
@@ -1570,7 +1576,7 @@
           <a:p>
             <a:fld id="{19AB4D41-86C1-4908-B66A-0B50CEB3BF29}" type="datetimeFigureOut">
               <a:rPr lang="en-US" dirty="0"/>
-              <a:t>5/17/2022</a:t>
+              <a:t>5/23/2022</a:t>
             </a:fld>
             <a:endParaRPr lang="en-US" dirty="0"/>
           </a:p>
@@ -1944,7 +1950,7 @@
           <a:p>
             <a:fld id="{E6426E2C-56C1-4E0D-A793-0088A7FDD37E}" type="datetimeFigureOut">
               <a:rPr lang="en-US" dirty="0"/>
-              <a:t>5/17/2022</a:t>
+              <a:t>5/23/2022</a:t>
             </a:fld>
             <a:endParaRPr lang="en-US" dirty="0"/>
           </a:p>
@@ -2057,7 +2063,7 @@
           <a:p>
             <a:fld id="{C8C39B41-D8B5-4052-B551-9B5525EAA8B6}" type="datetimeFigureOut">
               <a:rPr lang="en-US" dirty="0"/>
-              <a:t>5/17/2022</a:t>
+              <a:t>5/23/2022</a:t>
             </a:fld>
             <a:endParaRPr lang="en-US" dirty="0"/>
           </a:p>
@@ -2223,7 +2229,7 @@
           <a:p>
             <a:fld id="{4D94136C-8742-45B2-AF27-D93DF72833A9}" type="datetimeFigureOut">
               <a:rPr lang="en-US" dirty="0"/>
-              <a:t>5/17/2022</a:t>
+              <a:t>5/23/2022</a:t>
             </a:fld>
             <a:endParaRPr lang="en-US" dirty="0"/>
           </a:p>
@@ -2573,7 +2579,7 @@
           <a:p>
             <a:fld id="{32ABBEA6-7C60-4B02-AE87-00D78D8422AF}" type="datetimeFigureOut">
               <a:rPr lang="en-US" dirty="0"/>
-              <a:t>5/17/2022</a:t>
+              <a:t>5/23/2022</a:t>
             </a:fld>
             <a:endParaRPr lang="en-US" dirty="0"/>
           </a:p>
@@ -2951,7 +2957,7 @@
           <a:p>
             <a:fld id="{C9CAD897-D46E-4AD2-BD9B-49DD3E640873}" type="datetimeFigureOut">
               <a:rPr lang="en-US" dirty="0"/>
-              <a:t>5/17/2022</a:t>
+              <a:t>5/23/2022</a:t>
             </a:fld>
             <a:endParaRPr lang="en-US" dirty="0"/>
           </a:p>
@@ -3233,7 +3239,7 @@
           <a:p>
             <a:fld id="{98624D31-43A5-475A-80CF-332C9F6DCF35}" type="datetimeFigureOut">
               <a:rPr lang="en-US" dirty="0"/>
-              <a:t>5/17/2022</a:t>
+              <a:t>5/23/2022</a:t>
             </a:fld>
             <a:endParaRPr lang="en-US" dirty="0"/>
           </a:p>
@@ -3977,7 +3983,7 @@
         </p:blipFill>
         <p:spPr>
           <a:xfrm>
-            <a:off x="9954607" y="335052"/>
+            <a:off x="9429226" y="335052"/>
             <a:ext cx="1804256" cy="2061639"/>
           </a:xfrm>
           <a:prstGeom prst="rect">
@@ -4331,6 +4337,95 @@
           <p:cNvPr id="2" name="Заголовок 1">
             <a:extLst>
               <a:ext uri="{FF2B5EF4-FFF2-40B4-BE49-F238E27FC236}">
+                <a16:creationId xmlns:a16="http://schemas.microsoft.com/office/drawing/2014/main" id="{F5C7FE1B-4168-56FC-1BFC-5E743A005219}"/>
+              </a:ext>
+            </a:extLst>
+          </p:cNvPr>
+          <p:cNvSpPr>
+            <a:spLocks noGrp="1"/>
+          </p:cNvSpPr>
+          <p:nvPr>
+            <p:ph type="title"/>
+          </p:nvPr>
+        </p:nvSpPr>
+        <p:spPr/>
+        <p:txBody>
+          <a:bodyPr/>
+          <a:lstStyle/>
+          <a:p>
+            <a:pPr algn="ctr"/>
+            <a:r>
+              <a:rPr lang="ru-RU" dirty="0"/>
+              <a:t>Актуальность</a:t>
+            </a:r>
+          </a:p>
+        </p:txBody>
+      </p:sp>
+      <p:pic>
+        <p:nvPicPr>
+          <p:cNvPr id="4" name="Рисунок 3">
+            <a:extLst>
+              <a:ext uri="{FF2B5EF4-FFF2-40B4-BE49-F238E27FC236}">
+                <a16:creationId xmlns:a16="http://schemas.microsoft.com/office/drawing/2014/main" id="{8122DAAF-3D55-5B69-702C-5F2A9784A34C}"/>
+              </a:ext>
+            </a:extLst>
+          </p:cNvPr>
+          <p:cNvPicPr>
+            <a:picLocks noChangeAspect="1"/>
+          </p:cNvPicPr>
+          <p:nvPr/>
+        </p:nvPicPr>
+        <p:blipFill>
+          <a:blip r:embed="rId2"/>
+          <a:stretch>
+            <a:fillRect/>
+          </a:stretch>
+        </p:blipFill>
+        <p:spPr>
+          <a:xfrm>
+            <a:off x="2804546" y="1857172"/>
+            <a:ext cx="6582907" cy="4005099"/>
+          </a:xfrm>
+          <a:prstGeom prst="rect">
+            <a:avLst/>
+          </a:prstGeom>
+        </p:spPr>
+      </p:pic>
+    </p:spTree>
+    <p:extLst>
+      <p:ext uri="{BB962C8B-B14F-4D97-AF65-F5344CB8AC3E}">
+        <p14:creationId xmlns:p14="http://schemas.microsoft.com/office/powerpoint/2010/main" val="283204664"/>
+      </p:ext>
+    </p:extLst>
+  </p:cSld>
+  <p:clrMapOvr>
+    <a:masterClrMapping/>
+  </p:clrMapOvr>
+</p:sld>
+</file>
+
+<file path=ppt/slides/slide4.xml><?xml version="1.0" encoding="utf-8"?>
+<p:sld xmlns:a="http://schemas.openxmlformats.org/drawingml/2006/main" xmlns:r="http://schemas.openxmlformats.org/officeDocument/2006/relationships" xmlns:p="http://schemas.openxmlformats.org/presentationml/2006/main">
+  <p:cSld>
+    <p:spTree>
+      <p:nvGrpSpPr>
+        <p:cNvPr id="1" name=""/>
+        <p:cNvGrpSpPr/>
+        <p:nvPr/>
+      </p:nvGrpSpPr>
+      <p:grpSpPr>
+        <a:xfrm>
+          <a:off x="0" y="0"/>
+          <a:ext cx="0" cy="0"/>
+          <a:chOff x="0" y="0"/>
+          <a:chExt cx="0" cy="0"/>
+        </a:xfrm>
+      </p:grpSpPr>
+      <p:sp>
+        <p:nvSpPr>
+          <p:cNvPr id="2" name="Заголовок 1">
+            <a:extLst>
+              <a:ext uri="{FF2B5EF4-FFF2-40B4-BE49-F238E27FC236}">
                 <a16:creationId xmlns:a16="http://schemas.microsoft.com/office/drawing/2014/main" id="{9A5281CE-4065-FF47-3F8B-E479FAA9E333}"/>
               </a:ext>
             </a:extLst>
@@ -4429,7 +4524,7 @@
 </p:sld>
 </file>
 
-<file path=ppt/slides/slide4.xml><?xml version="1.0" encoding="utf-8"?>
+<file path=ppt/slides/slide5.xml><?xml version="1.0" encoding="utf-8"?>
 <p:sld xmlns:a="http://schemas.openxmlformats.org/drawingml/2006/main" xmlns:r="http://schemas.openxmlformats.org/officeDocument/2006/relationships" xmlns:p="http://schemas.openxmlformats.org/presentationml/2006/main">
   <p:cSld>
     <p:bg>
@@ -4704,126 +4799,6 @@
     <p:extLst>
       <p:ext uri="{BB962C8B-B14F-4D97-AF65-F5344CB8AC3E}">
         <p14:creationId xmlns:p14="http://schemas.microsoft.com/office/powerpoint/2010/main" val="2090246987"/>
-      </p:ext>
-    </p:extLst>
-  </p:cSld>
-  <p:clrMapOvr>
-    <a:masterClrMapping/>
-  </p:clrMapOvr>
-</p:sld>
-</file>
-
-<file path=ppt/slides/slide5.xml><?xml version="1.0" encoding="utf-8"?>
-<p:sld xmlns:a="http://schemas.openxmlformats.org/drawingml/2006/main" xmlns:r="http://schemas.openxmlformats.org/officeDocument/2006/relationships" xmlns:p="http://schemas.openxmlformats.org/presentationml/2006/main">
-  <p:cSld>
-    <p:spTree>
-      <p:nvGrpSpPr>
-        <p:cNvPr id="1" name=""/>
-        <p:cNvGrpSpPr/>
-        <p:nvPr/>
-      </p:nvGrpSpPr>
-      <p:grpSpPr>
-        <a:xfrm>
-          <a:off x="0" y="0"/>
-          <a:ext cx="0" cy="0"/>
-          <a:chOff x="0" y="0"/>
-          <a:chExt cx="0" cy="0"/>
-        </a:xfrm>
-      </p:grpSpPr>
-      <p:sp>
-        <p:nvSpPr>
-          <p:cNvPr id="2" name="Заголовок 1">
-            <a:extLst>
-              <a:ext uri="{FF2B5EF4-FFF2-40B4-BE49-F238E27FC236}">
-                <a16:creationId xmlns:a16="http://schemas.microsoft.com/office/drawing/2014/main" id="{9A5281CE-4065-FF47-3F8B-E479FAA9E333}"/>
-              </a:ext>
-            </a:extLst>
-          </p:cNvPr>
-          <p:cNvSpPr>
-            <a:spLocks noGrp="1"/>
-          </p:cNvSpPr>
-          <p:nvPr>
-            <p:ph type="title"/>
-          </p:nvPr>
-        </p:nvSpPr>
-        <p:spPr/>
-        <p:txBody>
-          <a:bodyPr/>
-          <a:lstStyle/>
-          <a:p>
-            <a:pPr algn="ctr"/>
-            <a:r>
-              <a:rPr lang="ru-RU"/>
-              <a:t>Анализ готовых решений</a:t>
-            </a:r>
-            <a:endParaRPr lang="ru-RU" dirty="0"/>
-          </a:p>
-        </p:txBody>
-      </p:sp>
-      <p:pic>
-        <p:nvPicPr>
-          <p:cNvPr id="4" name="Рисунок 3" descr="Изображение выглядит как текст&#10;&#10;Автоматически созданное описание">
-            <a:extLst>
-              <a:ext uri="{FF2B5EF4-FFF2-40B4-BE49-F238E27FC236}">
-                <a16:creationId xmlns:a16="http://schemas.microsoft.com/office/drawing/2014/main" id="{49BCCF89-8258-43E7-B7C7-D3615BE1B5A9}"/>
-              </a:ext>
-            </a:extLst>
-          </p:cNvPr>
-          <p:cNvPicPr>
-            <a:picLocks noChangeAspect="1"/>
-          </p:cNvPicPr>
-          <p:nvPr/>
-        </p:nvPicPr>
-        <p:blipFill>
-          <a:blip r:embed="rId2"/>
-          <a:stretch>
-            <a:fillRect/>
-          </a:stretch>
-        </p:blipFill>
-        <p:spPr>
-          <a:xfrm>
-            <a:off x="5978174" y="2168635"/>
-            <a:ext cx="5767503" cy="2952006"/>
-          </a:xfrm>
-          <a:prstGeom prst="rect">
-            <a:avLst/>
-          </a:prstGeom>
-        </p:spPr>
-      </p:pic>
-      <p:pic>
-        <p:nvPicPr>
-          <p:cNvPr id="6" name="Рисунок 5">
-            <a:extLst>
-              <a:ext uri="{FF2B5EF4-FFF2-40B4-BE49-F238E27FC236}">
-                <a16:creationId xmlns:a16="http://schemas.microsoft.com/office/drawing/2014/main" id="{F1E83215-BADB-FCBA-F9AA-BF86D1C0D221}"/>
-              </a:ext>
-            </a:extLst>
-          </p:cNvPr>
-          <p:cNvPicPr>
-            <a:picLocks noChangeAspect="1"/>
-          </p:cNvPicPr>
-          <p:nvPr/>
-        </p:nvPicPr>
-        <p:blipFill>
-          <a:blip r:embed="rId3"/>
-          <a:stretch>
-            <a:fillRect/>
-          </a:stretch>
-        </p:blipFill>
-        <p:spPr>
-          <a:xfrm>
-            <a:off x="626796" y="2081463"/>
-            <a:ext cx="5251622" cy="3478347"/>
-          </a:xfrm>
-          <a:prstGeom prst="rect">
-            <a:avLst/>
-          </a:prstGeom>
-        </p:spPr>
-      </p:pic>
-    </p:spTree>
-    <p:extLst>
-      <p:ext uri="{BB962C8B-B14F-4D97-AF65-F5344CB8AC3E}">
-        <p14:creationId xmlns:p14="http://schemas.microsoft.com/office/powerpoint/2010/main" val="388983434"/>
       </p:ext>
     </p:extLst>
   </p:cSld>
@@ -4855,6 +4830,126 @@
           <p:cNvPr id="2" name="Заголовок 1">
             <a:extLst>
               <a:ext uri="{FF2B5EF4-FFF2-40B4-BE49-F238E27FC236}">
+                <a16:creationId xmlns:a16="http://schemas.microsoft.com/office/drawing/2014/main" id="{9A5281CE-4065-FF47-3F8B-E479FAA9E333}"/>
+              </a:ext>
+            </a:extLst>
+          </p:cNvPr>
+          <p:cNvSpPr>
+            <a:spLocks noGrp="1"/>
+          </p:cNvSpPr>
+          <p:nvPr>
+            <p:ph type="title"/>
+          </p:nvPr>
+        </p:nvSpPr>
+        <p:spPr/>
+        <p:txBody>
+          <a:bodyPr/>
+          <a:lstStyle/>
+          <a:p>
+            <a:pPr algn="ctr"/>
+            <a:r>
+              <a:rPr lang="ru-RU"/>
+              <a:t>Анализ готовых решений</a:t>
+            </a:r>
+            <a:endParaRPr lang="ru-RU" dirty="0"/>
+          </a:p>
+        </p:txBody>
+      </p:sp>
+      <p:pic>
+        <p:nvPicPr>
+          <p:cNvPr id="4" name="Рисунок 3" descr="Изображение выглядит как текст&#10;&#10;Автоматически созданное описание">
+            <a:extLst>
+              <a:ext uri="{FF2B5EF4-FFF2-40B4-BE49-F238E27FC236}">
+                <a16:creationId xmlns:a16="http://schemas.microsoft.com/office/drawing/2014/main" id="{49BCCF89-8258-43E7-B7C7-D3615BE1B5A9}"/>
+              </a:ext>
+            </a:extLst>
+          </p:cNvPr>
+          <p:cNvPicPr>
+            <a:picLocks noChangeAspect="1"/>
+          </p:cNvPicPr>
+          <p:nvPr/>
+        </p:nvPicPr>
+        <p:blipFill>
+          <a:blip r:embed="rId2"/>
+          <a:stretch>
+            <a:fillRect/>
+          </a:stretch>
+        </p:blipFill>
+        <p:spPr>
+          <a:xfrm>
+            <a:off x="5978174" y="2168635"/>
+            <a:ext cx="5767503" cy="2952006"/>
+          </a:xfrm>
+          <a:prstGeom prst="rect">
+            <a:avLst/>
+          </a:prstGeom>
+        </p:spPr>
+      </p:pic>
+      <p:pic>
+        <p:nvPicPr>
+          <p:cNvPr id="6" name="Рисунок 5">
+            <a:extLst>
+              <a:ext uri="{FF2B5EF4-FFF2-40B4-BE49-F238E27FC236}">
+                <a16:creationId xmlns:a16="http://schemas.microsoft.com/office/drawing/2014/main" id="{F1E83215-BADB-FCBA-F9AA-BF86D1C0D221}"/>
+              </a:ext>
+            </a:extLst>
+          </p:cNvPr>
+          <p:cNvPicPr>
+            <a:picLocks noChangeAspect="1"/>
+          </p:cNvPicPr>
+          <p:nvPr/>
+        </p:nvPicPr>
+        <p:blipFill>
+          <a:blip r:embed="rId3"/>
+          <a:stretch>
+            <a:fillRect/>
+          </a:stretch>
+        </p:blipFill>
+        <p:spPr>
+          <a:xfrm>
+            <a:off x="626796" y="2081463"/>
+            <a:ext cx="5251622" cy="3478347"/>
+          </a:xfrm>
+          <a:prstGeom prst="rect">
+            <a:avLst/>
+          </a:prstGeom>
+        </p:spPr>
+      </p:pic>
+    </p:spTree>
+    <p:extLst>
+      <p:ext uri="{BB962C8B-B14F-4D97-AF65-F5344CB8AC3E}">
+        <p14:creationId xmlns:p14="http://schemas.microsoft.com/office/powerpoint/2010/main" val="388983434"/>
+      </p:ext>
+    </p:extLst>
+  </p:cSld>
+  <p:clrMapOvr>
+    <a:masterClrMapping/>
+  </p:clrMapOvr>
+</p:sld>
+</file>
+
+<file path=ppt/slides/slide7.xml><?xml version="1.0" encoding="utf-8"?>
+<p:sld xmlns:a="http://schemas.openxmlformats.org/drawingml/2006/main" xmlns:r="http://schemas.openxmlformats.org/officeDocument/2006/relationships" xmlns:p="http://schemas.openxmlformats.org/presentationml/2006/main">
+  <p:cSld>
+    <p:spTree>
+      <p:nvGrpSpPr>
+        <p:cNvPr id="1" name=""/>
+        <p:cNvGrpSpPr/>
+        <p:nvPr/>
+      </p:nvGrpSpPr>
+      <p:grpSpPr>
+        <a:xfrm>
+          <a:off x="0" y="0"/>
+          <a:ext cx="0" cy="0"/>
+          <a:chOff x="0" y="0"/>
+          <a:chExt cx="0" cy="0"/>
+        </a:xfrm>
+      </p:grpSpPr>
+      <p:sp>
+        <p:nvSpPr>
+          <p:cNvPr id="2" name="Заголовок 1">
+            <a:extLst>
+              <a:ext uri="{FF2B5EF4-FFF2-40B4-BE49-F238E27FC236}">
                 <a16:creationId xmlns:a16="http://schemas.microsoft.com/office/drawing/2014/main" id="{DEC59977-9906-D60B-27C1-34DDE7BECFC2}"/>
               </a:ext>
             </a:extLst>
@@ -4952,7 +5047,7 @@
 </p:sld>
 </file>
 
-<file path=ppt/slides/slide7.xml><?xml version="1.0" encoding="utf-8"?>
+<file path=ppt/slides/slide8.xml><?xml version="1.0" encoding="utf-8"?>
 <p:sld xmlns:a="http://schemas.openxmlformats.org/drawingml/2006/main" xmlns:r="http://schemas.openxmlformats.org/officeDocument/2006/relationships" xmlns:p="http://schemas.openxmlformats.org/presentationml/2006/main">
   <p:cSld>
     <p:bg>
